--- a/BotFrameworkComposer.pptx
+++ b/BotFrameworkComposer.pptx
@@ -5,7 +5,7 @@
     <p:sldMasterId id="2147483648" r:id="rId1"/>
   </p:sldMasterIdLst>
   <p:notesMasterIdLst>
-    <p:notesMasterId r:id="rId7"/>
+    <p:notesMasterId r:id="rId8"/>
   </p:notesMasterIdLst>
   <p:sldIdLst>
     <p:sldId id="256" r:id="rId2"/>
@@ -13,6 +13,7 @@
     <p:sldId id="269" r:id="rId4"/>
     <p:sldId id="257" r:id="rId5"/>
     <p:sldId id="258" r:id="rId6"/>
+    <p:sldId id="272" r:id="rId7"/>
   </p:sldIdLst>
   <p:sldSz cx="12192000" cy="6858000"/>
   <p:notesSz cx="6858000" cy="9144000"/>
@@ -122,7 +123,7 @@
 <file path=ppt/revisionInfo.xml><?xml version="1.0" encoding="utf-8"?>
 <p1510:revInfo xmlns:a="http://schemas.openxmlformats.org/drawingml/2006/main" xmlns:r="http://schemas.openxmlformats.org/officeDocument/2006/relationships" xmlns:p1510="http://schemas.microsoft.com/office/powerpoint/2015/10/main">
   <p1510:revLst>
-    <p1510:client id="{39F1708F-F21C-4CDC-A891-21436D747DED}" v="72" dt="2020-04-24T03:45:36.908"/>
+    <p1510:client id="{39F1708F-F21C-4CDC-A891-21436D747DED}" v="74" dt="2020-04-24T04:28:41.772"/>
   </p1510:revLst>
 </p1510:revInfo>
 </file>
@@ -132,7 +133,7 @@
   <pc:docChgLst>
     <pc:chgData name="David Chumpitaz" userId="ecb03494-0cfe-45ce-9750-757aeba2bb77" providerId="ADAL" clId="{39F1708F-F21C-4CDC-A891-21436D747DED}"/>
     <pc:docChg chg="undo custSel addSld delSld modSld sldOrd">
-      <pc:chgData name="David Chumpitaz" userId="ecb03494-0cfe-45ce-9750-757aeba2bb77" providerId="ADAL" clId="{39F1708F-F21C-4CDC-A891-21436D747DED}" dt="2020-04-24T03:51:21.476" v="1732" actId="20577"/>
+      <pc:chgData name="David Chumpitaz" userId="ecb03494-0cfe-45ce-9750-757aeba2bb77" providerId="ADAL" clId="{39F1708F-F21C-4CDC-A891-21436D747DED}" dt="2020-04-24T04:29:44.308" v="2007" actId="20577"/>
       <pc:docMkLst>
         <pc:docMk/>
       </pc:docMkLst>
@@ -683,6 +684,29 @@
           <pc:sldMk cId="2434985827" sldId="272"/>
         </pc:sldMkLst>
       </pc:sldChg>
+      <pc:sldChg chg="modSp add">
+        <pc:chgData name="David Chumpitaz" userId="ecb03494-0cfe-45ce-9750-757aeba2bb77" providerId="ADAL" clId="{39F1708F-F21C-4CDC-A891-21436D747DED}" dt="2020-04-24T04:29:44.308" v="2007" actId="20577"/>
+        <pc:sldMkLst>
+          <pc:docMk/>
+          <pc:sldMk cId="4026949907" sldId="272"/>
+        </pc:sldMkLst>
+        <pc:spChg chg="mod">
+          <ac:chgData name="David Chumpitaz" userId="ecb03494-0cfe-45ce-9750-757aeba2bb77" providerId="ADAL" clId="{39F1708F-F21C-4CDC-A891-21436D747DED}" dt="2020-04-24T04:29:44.308" v="2007" actId="20577"/>
+          <ac:spMkLst>
+            <pc:docMk/>
+            <pc:sldMk cId="4026949907" sldId="272"/>
+            <ac:spMk id="7" creationId="{A7B598E5-03C5-4AF5-959F-F0DCC58D7DDE}"/>
+          </ac:spMkLst>
+        </pc:spChg>
+        <pc:spChg chg="mod">
+          <ac:chgData name="David Chumpitaz" userId="ecb03494-0cfe-45ce-9750-757aeba2bb77" providerId="ADAL" clId="{39F1708F-F21C-4CDC-A891-21436D747DED}" dt="2020-04-24T04:28:05.234" v="1775" actId="20577"/>
+          <ac:spMkLst>
+            <pc:docMk/>
+            <pc:sldMk cId="4026949907" sldId="272"/>
+            <ac:spMk id="11" creationId="{ECFDBC25-750B-40AE-BC0C-C923B96B22FA}"/>
+          </ac:spMkLst>
+        </pc:spChg>
+      </pc:sldChg>
       <pc:sldChg chg="del">
         <pc:chgData name="David Chumpitaz" userId="ecb03494-0cfe-45ce-9750-757aeba2bb77" providerId="ADAL" clId="{39F1708F-F21C-4CDC-A891-21436D747DED}" dt="2020-04-24T02:37:04.068" v="173" actId="47"/>
         <pc:sldMkLst>
@@ -1120,13 +1144,8 @@
           <a:p>
             <a:r>
               <a:rPr lang="es-PA" dirty="0"/>
-              <a:t>Nuestros clientes son bancos, aseguradoras, gobierno, puertos y </a:t>
-            </a:r>
-            <a:r>
-              <a:rPr lang="es-PA"/>
-              <a:t>empresas automotrices.</a:t>
-            </a:r>
-            <a:endParaRPr lang="es-PA" dirty="0"/>
+              <a:t>Nuestros clientes son bancos, aseguradoras, gobierno, puertos y empresas automotrices.</a:t>
+            </a:r>
           </a:p>
         </p:txBody>
       </p:sp>
@@ -6435,6 +6454,253 @@
     <p:extLst>
       <p:ext uri="{BB962C8B-B14F-4D97-AF65-F5344CB8AC3E}">
         <p14:creationId xmlns:p14="http://schemas.microsoft.com/office/powerpoint/2010/main" val="3069609127"/>
+      </p:ext>
+    </p:extLst>
+  </p:cSld>
+  <p:clrMapOvr>
+    <a:masterClrMapping/>
+  </p:clrMapOvr>
+</p:sld>
+</file>
+
+<file path=ppt/slides/slide6.xml><?xml version="1.0" encoding="utf-8"?>
+<p:sld xmlns:a="http://schemas.openxmlformats.org/drawingml/2006/main" xmlns:r="http://schemas.openxmlformats.org/officeDocument/2006/relationships" xmlns:p="http://schemas.openxmlformats.org/presentationml/2006/main">
+  <p:cSld>
+    <p:spTree>
+      <p:nvGrpSpPr>
+        <p:cNvPr id="1" name=""/>
+        <p:cNvGrpSpPr/>
+        <p:nvPr/>
+      </p:nvGrpSpPr>
+      <p:grpSpPr>
+        <a:xfrm>
+          <a:off x="0" y="0"/>
+          <a:ext cx="0" cy="0"/>
+          <a:chOff x="0" y="0"/>
+          <a:chExt cx="0" cy="0"/>
+        </a:xfrm>
+      </p:grpSpPr>
+      <p:sp>
+        <p:nvSpPr>
+          <p:cNvPr id="7" name="Content Placeholder 6">
+            <a:extLst>
+              <a:ext uri="{FF2B5EF4-FFF2-40B4-BE49-F238E27FC236}">
+                <a16:creationId xmlns:a16="http://schemas.microsoft.com/office/drawing/2014/main" id="{A7B598E5-03C5-4AF5-959F-F0DCC58D7DDE}"/>
+              </a:ext>
+            </a:extLst>
+          </p:cNvPr>
+          <p:cNvSpPr>
+            <a:spLocks noGrp="1"/>
+          </p:cNvSpPr>
+          <p:nvPr>
+            <p:ph idx="1"/>
+          </p:nvPr>
+        </p:nvSpPr>
+        <p:spPr/>
+        <p:txBody>
+          <a:bodyPr>
+            <a:normAutofit/>
+          </a:bodyPr>
+          <a:lstStyle/>
+          <a:p>
+            <a:pPr marL="0" indent="0" algn="ctr">
+              <a:buNone/>
+            </a:pPr>
+            <a:r>
+              <a:rPr lang="es-PA" sz="3000" dirty="0">
+                <a:latin typeface="Roboto" panose="02000000000000000000" pitchFamily="2" charset="0"/>
+                <a:ea typeface="Roboto" panose="02000000000000000000" pitchFamily="2" charset="0"/>
+              </a:rPr>
+              <a:t>Puedes encontrar el código del </a:t>
+            </a:r>
+            <a:r>
+              <a:rPr lang="es-PA" sz="3000" dirty="0" err="1">
+                <a:latin typeface="Roboto" panose="02000000000000000000" pitchFamily="2" charset="0"/>
+                <a:ea typeface="Roboto" panose="02000000000000000000" pitchFamily="2" charset="0"/>
+              </a:rPr>
+              <a:t>chatbot</a:t>
+            </a:r>
+            <a:r>
+              <a:rPr lang="es-PA" sz="3000" dirty="0">
+                <a:latin typeface="Roboto" panose="02000000000000000000" pitchFamily="2" charset="0"/>
+                <a:ea typeface="Roboto" panose="02000000000000000000" pitchFamily="2" charset="0"/>
+              </a:rPr>
+              <a:t> mostrado y el web </a:t>
+            </a:r>
+            <a:r>
+              <a:rPr lang="es-PA" sz="3000" dirty="0" err="1">
+                <a:latin typeface="Roboto" panose="02000000000000000000" pitchFamily="2" charset="0"/>
+                <a:ea typeface="Roboto" panose="02000000000000000000" pitchFamily="2" charset="0"/>
+              </a:rPr>
+              <a:t>service</a:t>
+            </a:r>
+            <a:r>
+              <a:rPr lang="es-PA" sz="3000" dirty="0">
+                <a:latin typeface="Roboto" panose="02000000000000000000" pitchFamily="2" charset="0"/>
+                <a:ea typeface="Roboto" panose="02000000000000000000" pitchFamily="2" charset="0"/>
+              </a:rPr>
+              <a:t> que lo apoya en:</a:t>
+            </a:r>
+          </a:p>
+          <a:p>
+            <a:pPr marL="0" indent="0" algn="ctr">
+              <a:buNone/>
+            </a:pPr>
+            <a:endParaRPr lang="es-PA" sz="3000" dirty="0">
+              <a:latin typeface="Roboto" panose="02000000000000000000" pitchFamily="2" charset="0"/>
+              <a:ea typeface="Roboto" panose="02000000000000000000" pitchFamily="2" charset="0"/>
+            </a:endParaRPr>
+          </a:p>
+          <a:p>
+            <a:pPr marL="0" indent="0" algn="ctr">
+              <a:buNone/>
+            </a:pPr>
+            <a:r>
+              <a:rPr lang="es-PA" sz="3200" dirty="0">
+                <a:hlinkClick r:id="rId2"/>
+              </a:rPr>
+              <a:t>https://github.com/people-inmotion/panamajs-botframeworkcomposer</a:t>
+            </a:r>
+            <a:endParaRPr lang="es-PA" sz="3000" dirty="0">
+              <a:latin typeface="Roboto" panose="02000000000000000000" pitchFamily="2" charset="0"/>
+              <a:ea typeface="Roboto" panose="02000000000000000000" pitchFamily="2" charset="0"/>
+            </a:endParaRPr>
+          </a:p>
+          <a:p>
+            <a:pPr marL="0" indent="0">
+              <a:buNone/>
+            </a:pPr>
+            <a:endParaRPr lang="es-PA" sz="3000" dirty="0">
+              <a:latin typeface="Roboto" panose="02000000000000000000" pitchFamily="2" charset="0"/>
+              <a:ea typeface="Roboto" panose="02000000000000000000" pitchFamily="2" charset="0"/>
+            </a:endParaRPr>
+          </a:p>
+          <a:p>
+            <a:pPr marL="0" indent="0" algn="ctr">
+              <a:buNone/>
+            </a:pPr>
+            <a:r>
+              <a:rPr lang="es-PA" sz="3000" dirty="0">
+                <a:latin typeface="Roboto" panose="02000000000000000000" pitchFamily="2" charset="0"/>
+                <a:ea typeface="Roboto" panose="02000000000000000000" pitchFamily="2" charset="0"/>
+              </a:rPr>
+              <a:t>Necesitas instalar Visual Studio </a:t>
+            </a:r>
+            <a:r>
+              <a:rPr lang="es-PA" sz="3000" dirty="0" err="1">
+                <a:latin typeface="Roboto" panose="02000000000000000000" pitchFamily="2" charset="0"/>
+                <a:ea typeface="Roboto" panose="02000000000000000000" pitchFamily="2" charset="0"/>
+              </a:rPr>
+              <a:t>Community</a:t>
+            </a:r>
+            <a:r>
+              <a:rPr lang="es-PA" sz="3000" dirty="0">
+                <a:latin typeface="Roboto" panose="02000000000000000000" pitchFamily="2" charset="0"/>
+                <a:ea typeface="Roboto" panose="02000000000000000000" pitchFamily="2" charset="0"/>
+              </a:rPr>
+              <a:t> con ASP .NET Core y el Bot Framework </a:t>
+            </a:r>
+            <a:r>
+              <a:rPr lang="es-PA" sz="3000" dirty="0" err="1">
+                <a:latin typeface="Roboto" panose="02000000000000000000" pitchFamily="2" charset="0"/>
+                <a:ea typeface="Roboto" panose="02000000000000000000" pitchFamily="2" charset="0"/>
+              </a:rPr>
+              <a:t>Composer</a:t>
+            </a:r>
+            <a:r>
+              <a:rPr lang="es-PA" sz="3000" dirty="0">
+                <a:latin typeface="Roboto" panose="02000000000000000000" pitchFamily="2" charset="0"/>
+                <a:ea typeface="Roboto" panose="02000000000000000000" pitchFamily="2" charset="0"/>
+              </a:rPr>
+              <a:t> para utilizarlo.</a:t>
+            </a:r>
+          </a:p>
+        </p:txBody>
+      </p:sp>
+      <p:sp>
+        <p:nvSpPr>
+          <p:cNvPr id="11" name="Title 1">
+            <a:extLst>
+              <a:ext uri="{FF2B5EF4-FFF2-40B4-BE49-F238E27FC236}">
+                <a16:creationId xmlns:a16="http://schemas.microsoft.com/office/drawing/2014/main" id="{ECFDBC25-750B-40AE-BC0C-C923B96B22FA}"/>
+              </a:ext>
+            </a:extLst>
+          </p:cNvPr>
+          <p:cNvSpPr txBox="1">
+            <a:spLocks/>
+          </p:cNvSpPr>
+          <p:nvPr/>
+        </p:nvSpPr>
+        <p:spPr>
+          <a:xfrm>
+            <a:off x="0" y="-50549"/>
+            <a:ext cx="12192000" cy="1325563"/>
+          </a:xfrm>
+          <a:prstGeom prst="rect">
+            <a:avLst/>
+          </a:prstGeom>
+          <a:solidFill>
+            <a:srgbClr val="00A6FF"/>
+          </a:solidFill>
+        </p:spPr>
+        <p:txBody>
+          <a:bodyPr vert="horz" lIns="91440" tIns="45720" rIns="91440" bIns="45720" rtlCol="0" anchor="ctr">
+            <a:normAutofit/>
+          </a:bodyPr>
+          <a:lstStyle>
+            <a:lvl1pPr algn="l" defTabSz="914400" rtl="0" eaLnBrk="1" latinLnBrk="0" hangingPunct="1">
+              <a:lnSpc>
+                <a:spcPct val="90000"/>
+              </a:lnSpc>
+              <a:spcBef>
+                <a:spcPct val="0"/>
+              </a:spcBef>
+              <a:buNone/>
+              <a:defRPr sz="4400" kern="1200">
+                <a:solidFill>
+                  <a:schemeClr val="tx1"/>
+                </a:solidFill>
+                <a:latin typeface="+mj-lt"/>
+                <a:ea typeface="+mj-ea"/>
+                <a:cs typeface="+mj-cs"/>
+              </a:defRPr>
+            </a:lvl1pPr>
+          </a:lstStyle>
+          <a:p>
+            <a:r>
+              <a:rPr lang="en-US" dirty="0">
+                <a:solidFill>
+                  <a:schemeClr val="bg1"/>
+                </a:solidFill>
+                <a:latin typeface="Roboto" pitchFamily="2" charset="0"/>
+                <a:ea typeface="Roboto" pitchFamily="2" charset="0"/>
+              </a:rPr>
+              <a:t>  Proyecto de </a:t>
+            </a:r>
+            <a:r>
+              <a:rPr lang="en-US" dirty="0" err="1">
+                <a:solidFill>
+                  <a:schemeClr val="bg1"/>
+                </a:solidFill>
+                <a:latin typeface="Roboto" pitchFamily="2" charset="0"/>
+                <a:ea typeface="Roboto" pitchFamily="2" charset="0"/>
+              </a:rPr>
+              <a:t>demostración</a:t>
+            </a:r>
+            <a:endParaRPr lang="es-419" dirty="0">
+              <a:solidFill>
+                <a:schemeClr val="bg1"/>
+              </a:solidFill>
+              <a:latin typeface="Roboto" pitchFamily="2" charset="0"/>
+              <a:ea typeface="Roboto" pitchFamily="2" charset="0"/>
+            </a:endParaRPr>
+          </a:p>
+        </p:txBody>
+      </p:sp>
+    </p:spTree>
+    <p:extLst>
+      <p:ext uri="{BB962C8B-B14F-4D97-AF65-F5344CB8AC3E}">
+        <p14:creationId xmlns:p14="http://schemas.microsoft.com/office/powerpoint/2010/main" val="4026949907"/>
       </p:ext>
     </p:extLst>
   </p:cSld>

--- a/BotFrameworkComposer.pptx
+++ b/BotFrameworkComposer.pptx
@@ -824,7 +824,7 @@
           <a:p>
             <a:fld id="{7EC93E04-5341-4FBF-8F33-70CF90297525}" type="datetimeFigureOut">
               <a:rPr lang="es-PA" smtClean="0"/>
-              <a:t>04/23/2020</a:t>
+              <a:t>06/19/2020</a:t>
             </a:fld>
             <a:endParaRPr lang="es-PA"/>
           </a:p>
@@ -1334,7 +1334,7 @@
           <a:p>
             <a:fld id="{18D33B52-959A-4062-9316-0FA2971C865D}" type="datetimeFigureOut">
               <a:rPr lang="es-419" smtClean="0"/>
-              <a:t>23/4/2020</a:t>
+              <a:t>19/6/2020</a:t>
             </a:fld>
             <a:endParaRPr lang="es-419"/>
           </a:p>
@@ -1534,7 +1534,7 @@
           <a:p>
             <a:fld id="{18D33B52-959A-4062-9316-0FA2971C865D}" type="datetimeFigureOut">
               <a:rPr lang="es-419" smtClean="0"/>
-              <a:t>23/4/2020</a:t>
+              <a:t>19/6/2020</a:t>
             </a:fld>
             <a:endParaRPr lang="es-419"/>
           </a:p>
@@ -1744,7 +1744,7 @@
           <a:p>
             <a:fld id="{18D33B52-959A-4062-9316-0FA2971C865D}" type="datetimeFigureOut">
               <a:rPr lang="es-419" smtClean="0"/>
-              <a:t>23/4/2020</a:t>
+              <a:t>19/6/2020</a:t>
             </a:fld>
             <a:endParaRPr lang="es-419"/>
           </a:p>
@@ -1944,7 +1944,7 @@
           <a:p>
             <a:fld id="{18D33B52-959A-4062-9316-0FA2971C865D}" type="datetimeFigureOut">
               <a:rPr lang="es-419" smtClean="0"/>
-              <a:t>23/4/2020</a:t>
+              <a:t>19/6/2020</a:t>
             </a:fld>
             <a:endParaRPr lang="es-419"/>
           </a:p>
@@ -2220,7 +2220,7 @@
           <a:p>
             <a:fld id="{18D33B52-959A-4062-9316-0FA2971C865D}" type="datetimeFigureOut">
               <a:rPr lang="es-419" smtClean="0"/>
-              <a:t>23/4/2020</a:t>
+              <a:t>19/6/2020</a:t>
             </a:fld>
             <a:endParaRPr lang="es-419"/>
           </a:p>
@@ -2488,7 +2488,7 @@
           <a:p>
             <a:fld id="{18D33B52-959A-4062-9316-0FA2971C865D}" type="datetimeFigureOut">
               <a:rPr lang="es-419" smtClean="0"/>
-              <a:t>23/4/2020</a:t>
+              <a:t>19/6/2020</a:t>
             </a:fld>
             <a:endParaRPr lang="es-419"/>
           </a:p>
@@ -2903,7 +2903,7 @@
           <a:p>
             <a:fld id="{18D33B52-959A-4062-9316-0FA2971C865D}" type="datetimeFigureOut">
               <a:rPr lang="es-419" smtClean="0"/>
-              <a:t>23/4/2020</a:t>
+              <a:t>19/6/2020</a:t>
             </a:fld>
             <a:endParaRPr lang="es-419"/>
           </a:p>
@@ -3045,7 +3045,7 @@
           <a:p>
             <a:fld id="{18D33B52-959A-4062-9316-0FA2971C865D}" type="datetimeFigureOut">
               <a:rPr lang="es-419" smtClean="0"/>
-              <a:t>23/4/2020</a:t>
+              <a:t>19/6/2020</a:t>
             </a:fld>
             <a:endParaRPr lang="es-419"/>
           </a:p>
@@ -3158,7 +3158,7 @@
           <a:p>
             <a:fld id="{18D33B52-959A-4062-9316-0FA2971C865D}" type="datetimeFigureOut">
               <a:rPr lang="es-419" smtClean="0"/>
-              <a:t>23/4/2020</a:t>
+              <a:t>19/6/2020</a:t>
             </a:fld>
             <a:endParaRPr lang="es-419"/>
           </a:p>
@@ -3471,7 +3471,7 @@
           <a:p>
             <a:fld id="{18D33B52-959A-4062-9316-0FA2971C865D}" type="datetimeFigureOut">
               <a:rPr lang="es-419" smtClean="0"/>
-              <a:t>23/4/2020</a:t>
+              <a:t>19/6/2020</a:t>
             </a:fld>
             <a:endParaRPr lang="es-419"/>
           </a:p>
@@ -3760,7 +3760,7 @@
           <a:p>
             <a:fld id="{18D33B52-959A-4062-9316-0FA2971C865D}" type="datetimeFigureOut">
               <a:rPr lang="es-419" smtClean="0"/>
-              <a:t>23/4/2020</a:t>
+              <a:t>19/6/2020</a:t>
             </a:fld>
             <a:endParaRPr lang="es-419"/>
           </a:p>
@@ -4006,7 +4006,7 @@
           <a:p>
             <a:fld id="{18D33B52-959A-4062-9316-0FA2971C865D}" type="datetimeFigureOut">
               <a:rPr lang="es-419" smtClean="0"/>
-              <a:t>23/4/2020</a:t>
+              <a:t>19/6/2020</a:t>
             </a:fld>
             <a:endParaRPr lang="es-419"/>
           </a:p>
@@ -4558,7 +4558,7 @@
           <a:lstStyle/>
           <a:p>
             <a:r>
-              <a:rPr lang="en-US" dirty="0" err="1">
+              <a:rPr lang="en-US" dirty="0">
                 <a:solidFill>
                   <a:schemeClr val="bg1">
                     <a:lumMod val="50000"/>
@@ -4567,7 +4567,7 @@
                 <a:latin typeface="Roboto" pitchFamily="2" charset="0"/>
                 <a:ea typeface="Roboto" pitchFamily="2" charset="0"/>
               </a:rPr>
-              <a:t>PanamaJS</a:t>
+              <a:t>Por: David Chumpitaz</a:t>
             </a:r>
             <a:endParaRPr lang="es-419" dirty="0">
               <a:solidFill>
@@ -4642,7 +4642,7 @@
 </file>
 
 <file path=ppt/slides/slide2.xml><?xml version="1.0" encoding="utf-8"?>
-<p:sld xmlns:a="http://schemas.openxmlformats.org/drawingml/2006/main" xmlns:r="http://schemas.openxmlformats.org/officeDocument/2006/relationships" xmlns:p="http://schemas.openxmlformats.org/presentationml/2006/main">
+<p:sld xmlns:a="http://schemas.openxmlformats.org/drawingml/2006/main" xmlns:r="http://schemas.openxmlformats.org/officeDocument/2006/relationships" xmlns:p="http://schemas.openxmlformats.org/presentationml/2006/main" show="0">
   <p:cSld>
     <p:spTree>
       <p:nvGrpSpPr>
@@ -5246,7 +5246,7 @@
 </file>
 
 <file path=ppt/slides/slide3.xml><?xml version="1.0" encoding="utf-8"?>
-<p:sld xmlns:a="http://schemas.openxmlformats.org/drawingml/2006/main" xmlns:r="http://schemas.openxmlformats.org/officeDocument/2006/relationships" xmlns:p="http://schemas.openxmlformats.org/presentationml/2006/main" show="0">
+<p:sld xmlns:a="http://schemas.openxmlformats.org/drawingml/2006/main" xmlns:r="http://schemas.openxmlformats.org/officeDocument/2006/relationships" xmlns:p="http://schemas.openxmlformats.org/presentationml/2006/main">
   <p:cSld>
     <p:spTree>
       <p:nvGrpSpPr>
@@ -6328,23 +6328,7 @@
                 <a:ea typeface="Roboto" panose="02000000000000000000" pitchFamily="2" charset="0"/>
                 <a:hlinkClick r:id="rId4"/>
               </a:rPr>
-              <a:t>https://docs.microsoft.com/en</a:t>
-            </a:r>
-            <a:r>
-              <a:rPr lang="es-PA" sz="3000" dirty="0">
-                <a:latin typeface="Roboto" panose="02000000000000000000" pitchFamily="2" charset="0"/>
-                <a:ea typeface="Roboto" panose="02000000000000000000" pitchFamily="2" charset="0"/>
-                <a:hlinkClick r:id="rId4"/>
-              </a:rPr>
-              <a:t>-</a:t>
-            </a:r>
-            <a:r>
-              <a:rPr lang="es-PA" sz="3000" dirty="0">
-                <a:latin typeface="Roboto" panose="02000000000000000000" pitchFamily="2" charset="0"/>
-                <a:ea typeface="Roboto" panose="02000000000000000000" pitchFamily="2" charset="0"/>
-                <a:hlinkClick r:id="rId4"/>
-              </a:rPr>
-              <a:t>us/composer/tutorial/tutorial-introduction</a:t>
+              <a:t>https://docs.microsoft.com/en-us/composer/tutorial/tutorial-introduction</a:t>
             </a:r>
             <a:endParaRPr lang="es-PA" sz="3000" dirty="0">
               <a:latin typeface="Roboto" panose="02000000000000000000" pitchFamily="2" charset="0"/>
@@ -6559,7 +6543,13 @@
               <a:rPr lang="es-PA" sz="3200" dirty="0">
                 <a:hlinkClick r:id="rId2"/>
               </a:rPr>
-              <a:t>https://github.com/people-inmotion/panamajs-botframeworkcomposer</a:t>
+              <a:t>https://github.com/</a:t>
+            </a:r>
+            <a:r>
+              <a:rPr lang="es-PA" sz="3200">
+                <a:hlinkClick r:id="rId2"/>
+              </a:rPr>
+              <a:t>people-inmotion/pim-botframeworkcomposer</a:t>
             </a:r>
             <a:endParaRPr lang="es-PA" sz="3000" dirty="0">
               <a:latin typeface="Roboto" panose="02000000000000000000" pitchFamily="2" charset="0"/>

--- a/BotFrameworkComposer.pptx
+++ b/BotFrameworkComposer.pptx
@@ -5,7 +5,7 @@
     <p:sldMasterId id="2147483648" r:id="rId1"/>
   </p:sldMasterIdLst>
   <p:notesMasterIdLst>
-    <p:notesMasterId r:id="rId8"/>
+    <p:notesMasterId r:id="rId9"/>
   </p:notesMasterIdLst>
   <p:sldIdLst>
     <p:sldId id="256" r:id="rId2"/>
@@ -13,7 +13,8 @@
     <p:sldId id="269" r:id="rId4"/>
     <p:sldId id="257" r:id="rId5"/>
     <p:sldId id="258" r:id="rId6"/>
-    <p:sldId id="272" r:id="rId7"/>
+    <p:sldId id="273" r:id="rId7"/>
+    <p:sldId id="272" r:id="rId8"/>
   </p:sldIdLst>
   <p:sldSz cx="12192000" cy="6858000"/>
   <p:notesSz cx="6858000" cy="9144000"/>
@@ -4549,7 +4550,7 @@
         </p:nvSpPr>
         <p:spPr>
           <a:xfrm>
-            <a:off x="1523999" y="6422610"/>
+            <a:off x="1523999" y="6256719"/>
             <a:ext cx="9144000" cy="435390"/>
           </a:xfrm>
         </p:spPr>
@@ -6448,6 +6449,361 @@
 </file>
 
 <file path=ppt/slides/slide6.xml><?xml version="1.0" encoding="utf-8"?>
+<p:sld xmlns:a="http://schemas.openxmlformats.org/drawingml/2006/main" xmlns:r="http://schemas.openxmlformats.org/officeDocument/2006/relationships" xmlns:p="http://schemas.openxmlformats.org/presentationml/2006/main">
+  <p:cSld>
+    <p:spTree>
+      <p:nvGrpSpPr>
+        <p:cNvPr id="1" name=""/>
+        <p:cNvGrpSpPr/>
+        <p:nvPr/>
+      </p:nvGrpSpPr>
+      <p:grpSpPr>
+        <a:xfrm>
+          <a:off x="0" y="0"/>
+          <a:ext cx="0" cy="0"/>
+          <a:chOff x="0" y="0"/>
+          <a:chExt cx="0" cy="0"/>
+        </a:xfrm>
+      </p:grpSpPr>
+      <p:sp>
+        <p:nvSpPr>
+          <p:cNvPr id="7" name="Content Placeholder 6">
+            <a:extLst>
+              <a:ext uri="{FF2B5EF4-FFF2-40B4-BE49-F238E27FC236}">
+                <a16:creationId xmlns:a16="http://schemas.microsoft.com/office/drawing/2014/main" id="{A7B598E5-03C5-4AF5-959F-F0DCC58D7DDE}"/>
+              </a:ext>
+            </a:extLst>
+          </p:cNvPr>
+          <p:cNvSpPr>
+            <a:spLocks noGrp="1"/>
+          </p:cNvSpPr>
+          <p:nvPr>
+            <p:ph idx="1"/>
+          </p:nvPr>
+        </p:nvSpPr>
+        <p:spPr/>
+        <p:txBody>
+          <a:bodyPr>
+            <a:normAutofit lnSpcReduction="10000"/>
+          </a:bodyPr>
+          <a:lstStyle/>
+          <a:p>
+            <a:pPr marL="0" indent="0">
+              <a:buNone/>
+            </a:pPr>
+            <a:r>
+              <a:rPr lang="es-PA" sz="3000" dirty="0" err="1">
+                <a:latin typeface="Roboto" panose="02000000000000000000" pitchFamily="2" charset="0"/>
+                <a:ea typeface="Roboto" panose="02000000000000000000" pitchFamily="2" charset="0"/>
+              </a:rPr>
+              <a:t>Aségurate</a:t>
+            </a:r>
+            <a:r>
+              <a:rPr lang="es-PA" sz="3000" dirty="0">
+                <a:latin typeface="Roboto" panose="02000000000000000000" pitchFamily="2" charset="0"/>
+                <a:ea typeface="Roboto" panose="02000000000000000000" pitchFamily="2" charset="0"/>
+              </a:rPr>
+              <a:t> de tener instalado los siguientes componentes:</a:t>
+            </a:r>
+          </a:p>
+          <a:p>
+            <a:pPr>
+              <a:buFont typeface="Wingdings" panose="05000000000000000000" pitchFamily="2" charset="2"/>
+              <a:buChar char="§"/>
+            </a:pPr>
+            <a:r>
+              <a:rPr lang="es-PA" sz="2200" dirty="0" err="1">
+                <a:latin typeface="Roboto" panose="02000000000000000000" pitchFamily="2" charset="0"/>
+                <a:ea typeface="Roboto" panose="02000000000000000000" pitchFamily="2" charset="0"/>
+              </a:rPr>
+              <a:t>Chocolatey</a:t>
+            </a:r>
+            <a:r>
+              <a:rPr lang="es-PA" sz="2200" dirty="0">
+                <a:latin typeface="Roboto" panose="02000000000000000000" pitchFamily="2" charset="0"/>
+                <a:ea typeface="Roboto" panose="02000000000000000000" pitchFamily="2" charset="0"/>
+              </a:rPr>
+              <a:t> (choco)</a:t>
+            </a:r>
+          </a:p>
+          <a:p>
+            <a:pPr>
+              <a:buFont typeface="Wingdings" panose="05000000000000000000" pitchFamily="2" charset="2"/>
+              <a:buChar char="§"/>
+            </a:pPr>
+            <a:r>
+              <a:rPr lang="es-PA" sz="2200" dirty="0" err="1">
+                <a:latin typeface="Roboto" panose="02000000000000000000" pitchFamily="2" charset="0"/>
+                <a:ea typeface="Roboto" panose="02000000000000000000" pitchFamily="2" charset="0"/>
+              </a:rPr>
+              <a:t>pwsh</a:t>
+            </a:r>
+            <a:endParaRPr lang="es-PA" sz="2200" dirty="0">
+              <a:latin typeface="Roboto" panose="02000000000000000000" pitchFamily="2" charset="0"/>
+              <a:ea typeface="Roboto" panose="02000000000000000000" pitchFamily="2" charset="0"/>
+            </a:endParaRPr>
+          </a:p>
+          <a:p>
+            <a:pPr>
+              <a:buFont typeface="Wingdings" panose="05000000000000000000" pitchFamily="2" charset="2"/>
+              <a:buChar char="§"/>
+            </a:pPr>
+            <a:r>
+              <a:rPr lang="es-PA" sz="2200" dirty="0">
+                <a:latin typeface="Roboto" panose="02000000000000000000" pitchFamily="2" charset="0"/>
+                <a:ea typeface="Roboto" panose="02000000000000000000" pitchFamily="2" charset="0"/>
+              </a:rPr>
+              <a:t>Azure CLI</a:t>
+            </a:r>
+          </a:p>
+          <a:p>
+            <a:pPr>
+              <a:buFont typeface="Wingdings" panose="05000000000000000000" pitchFamily="2" charset="2"/>
+              <a:buChar char="§"/>
+            </a:pPr>
+            <a:r>
+              <a:rPr lang="en-US" sz="2200" dirty="0" err="1">
+                <a:latin typeface="Roboto" panose="02000000000000000000" pitchFamily="2" charset="0"/>
+                <a:ea typeface="Roboto" panose="02000000000000000000" pitchFamily="2" charset="0"/>
+              </a:rPr>
+              <a:t>npm</a:t>
+            </a:r>
+            <a:r>
+              <a:rPr lang="en-US" sz="2200" dirty="0">
+                <a:latin typeface="Roboto" panose="02000000000000000000" pitchFamily="2" charset="0"/>
+                <a:ea typeface="Roboto" panose="02000000000000000000" pitchFamily="2" charset="0"/>
+              </a:rPr>
+              <a:t> config set registry </a:t>
+            </a:r>
+            <a:r>
+              <a:rPr lang="en-US" sz="2200" dirty="0">
+                <a:latin typeface="Roboto" panose="02000000000000000000" pitchFamily="2" charset="0"/>
+                <a:ea typeface="Roboto" panose="02000000000000000000" pitchFamily="2" charset="0"/>
+                <a:hlinkClick r:id="rId2"/>
+              </a:rPr>
+              <a:t>https://botbuilder.myget.org/F/botframework-cli/npm/</a:t>
+            </a:r>
+            <a:endParaRPr lang="en-US" sz="2200" dirty="0">
+              <a:latin typeface="Roboto" panose="02000000000000000000" pitchFamily="2" charset="0"/>
+              <a:ea typeface="Roboto" panose="02000000000000000000" pitchFamily="2" charset="0"/>
+            </a:endParaRPr>
+          </a:p>
+          <a:p>
+            <a:pPr>
+              <a:buFont typeface="Wingdings" panose="05000000000000000000" pitchFamily="2" charset="2"/>
+              <a:buChar char="§"/>
+            </a:pPr>
+            <a:r>
+              <a:rPr lang="es-PA" sz="2200" dirty="0" err="1">
+                <a:latin typeface="Roboto" panose="02000000000000000000" pitchFamily="2" charset="0"/>
+                <a:ea typeface="Roboto" panose="02000000000000000000" pitchFamily="2" charset="0"/>
+              </a:rPr>
+              <a:t>npm</a:t>
+            </a:r>
+            <a:r>
+              <a:rPr lang="es-PA" sz="2200" dirty="0">
+                <a:latin typeface="Roboto" panose="02000000000000000000" pitchFamily="2" charset="0"/>
+                <a:ea typeface="Roboto" panose="02000000000000000000" pitchFamily="2" charset="0"/>
+              </a:rPr>
+              <a:t> </a:t>
+            </a:r>
+            <a:r>
+              <a:rPr lang="es-PA" sz="2200" dirty="0" err="1">
+                <a:latin typeface="Roboto" panose="02000000000000000000" pitchFamily="2" charset="0"/>
+                <a:ea typeface="Roboto" panose="02000000000000000000" pitchFamily="2" charset="0"/>
+              </a:rPr>
+              <a:t>install</a:t>
+            </a:r>
+            <a:r>
+              <a:rPr lang="es-PA" sz="2200" dirty="0">
+                <a:latin typeface="Roboto" panose="02000000000000000000" pitchFamily="2" charset="0"/>
+                <a:ea typeface="Roboto" panose="02000000000000000000" pitchFamily="2" charset="0"/>
+              </a:rPr>
+              <a:t> -g @microsoft/botframework-cli</a:t>
+            </a:r>
+          </a:p>
+          <a:p>
+            <a:pPr>
+              <a:buFont typeface="Wingdings" panose="05000000000000000000" pitchFamily="2" charset="2"/>
+              <a:buChar char="§"/>
+            </a:pPr>
+            <a:r>
+              <a:rPr lang="en-US" sz="2200" dirty="0" err="1">
+                <a:latin typeface="Roboto" panose="02000000000000000000" pitchFamily="2" charset="0"/>
+                <a:ea typeface="Roboto" panose="02000000000000000000" pitchFamily="2" charset="0"/>
+              </a:rPr>
+              <a:t>npm</a:t>
+            </a:r>
+            <a:r>
+              <a:rPr lang="en-US" sz="2200" dirty="0">
+                <a:latin typeface="Roboto" panose="02000000000000000000" pitchFamily="2" charset="0"/>
+                <a:ea typeface="Roboto" panose="02000000000000000000" pitchFamily="2" charset="0"/>
+              </a:rPr>
+              <a:t> config set registry </a:t>
+            </a:r>
+            <a:r>
+              <a:rPr lang="en-US" sz="2200" dirty="0">
+                <a:latin typeface="Roboto" panose="02000000000000000000" pitchFamily="2" charset="0"/>
+                <a:ea typeface="Roboto" panose="02000000000000000000" pitchFamily="2" charset="0"/>
+                <a:hlinkClick r:id="rId3"/>
+              </a:rPr>
+              <a:t>http://registry.npmjs.org</a:t>
+            </a:r>
+            <a:endParaRPr lang="en-US" sz="2200" dirty="0">
+              <a:latin typeface="Roboto" panose="02000000000000000000" pitchFamily="2" charset="0"/>
+              <a:ea typeface="Roboto" panose="02000000000000000000" pitchFamily="2" charset="0"/>
+            </a:endParaRPr>
+          </a:p>
+          <a:p>
+            <a:pPr marL="0" indent="0">
+              <a:buNone/>
+            </a:pPr>
+            <a:endParaRPr lang="es-PA" sz="3000" dirty="0">
+              <a:latin typeface="Roboto" panose="02000000000000000000" pitchFamily="2" charset="0"/>
+              <a:ea typeface="Roboto" panose="02000000000000000000" pitchFamily="2" charset="0"/>
+            </a:endParaRPr>
+          </a:p>
+          <a:p>
+            <a:pPr marL="0" indent="0" algn="ctr">
+              <a:buNone/>
+            </a:pPr>
+            <a:r>
+              <a:rPr lang="es-PA" sz="3200" dirty="0">
+                <a:hlinkClick r:id="rId4"/>
+              </a:rPr>
+              <a:t>https://docs.microsoft.com/en-us/composer/how-to-publish-bot</a:t>
+            </a:r>
+            <a:endParaRPr lang="es-PA" sz="3000" dirty="0">
+              <a:latin typeface="Roboto" panose="02000000000000000000" pitchFamily="2" charset="0"/>
+              <a:ea typeface="Roboto" panose="02000000000000000000" pitchFamily="2" charset="0"/>
+            </a:endParaRPr>
+          </a:p>
+        </p:txBody>
+      </p:sp>
+      <p:sp>
+        <p:nvSpPr>
+          <p:cNvPr id="11" name="Title 1">
+            <a:extLst>
+              <a:ext uri="{FF2B5EF4-FFF2-40B4-BE49-F238E27FC236}">
+                <a16:creationId xmlns:a16="http://schemas.microsoft.com/office/drawing/2014/main" id="{ECFDBC25-750B-40AE-BC0C-C923B96B22FA}"/>
+              </a:ext>
+            </a:extLst>
+          </p:cNvPr>
+          <p:cNvSpPr txBox="1">
+            <a:spLocks/>
+          </p:cNvSpPr>
+          <p:nvPr/>
+        </p:nvSpPr>
+        <p:spPr>
+          <a:xfrm>
+            <a:off x="0" y="-50549"/>
+            <a:ext cx="12192000" cy="1325563"/>
+          </a:xfrm>
+          <a:prstGeom prst="rect">
+            <a:avLst/>
+          </a:prstGeom>
+          <a:solidFill>
+            <a:srgbClr val="00A6FF"/>
+          </a:solidFill>
+        </p:spPr>
+        <p:txBody>
+          <a:bodyPr vert="horz" lIns="91440" tIns="45720" rIns="91440" bIns="45720" rtlCol="0" anchor="ctr">
+            <a:normAutofit/>
+          </a:bodyPr>
+          <a:lstStyle>
+            <a:lvl1pPr algn="l" defTabSz="914400" rtl="0" eaLnBrk="1" latinLnBrk="0" hangingPunct="1">
+              <a:lnSpc>
+                <a:spcPct val="90000"/>
+              </a:lnSpc>
+              <a:spcBef>
+                <a:spcPct val="0"/>
+              </a:spcBef>
+              <a:buNone/>
+              <a:defRPr sz="4400" kern="1200">
+                <a:solidFill>
+                  <a:schemeClr val="tx1"/>
+                </a:solidFill>
+                <a:latin typeface="+mj-lt"/>
+                <a:ea typeface="+mj-ea"/>
+                <a:cs typeface="+mj-cs"/>
+              </a:defRPr>
+            </a:lvl1pPr>
+          </a:lstStyle>
+          <a:p>
+            <a:r>
+              <a:rPr lang="en-US" dirty="0">
+                <a:solidFill>
+                  <a:schemeClr val="bg1"/>
+                </a:solidFill>
+                <a:latin typeface="Roboto" pitchFamily="2" charset="0"/>
+                <a:ea typeface="Roboto" pitchFamily="2" charset="0"/>
+              </a:rPr>
+              <a:t>  </a:t>
+            </a:r>
+            <a:r>
+              <a:rPr lang="en-US" dirty="0" err="1">
+                <a:solidFill>
+                  <a:schemeClr val="bg1"/>
+                </a:solidFill>
+                <a:latin typeface="Roboto" pitchFamily="2" charset="0"/>
+                <a:ea typeface="Roboto" pitchFamily="2" charset="0"/>
+              </a:rPr>
+              <a:t>Publicación</a:t>
+            </a:r>
+            <a:r>
+              <a:rPr lang="en-US" dirty="0">
+                <a:solidFill>
+                  <a:schemeClr val="bg1"/>
+                </a:solidFill>
+                <a:latin typeface="Roboto" pitchFamily="2" charset="0"/>
+                <a:ea typeface="Roboto" pitchFamily="2" charset="0"/>
+              </a:rPr>
+              <a:t> en Azure </a:t>
+            </a:r>
+            <a:r>
+              <a:rPr lang="en-US" dirty="0" err="1">
+                <a:solidFill>
+                  <a:schemeClr val="bg1"/>
+                </a:solidFill>
+                <a:latin typeface="Roboto" pitchFamily="2" charset="0"/>
+                <a:ea typeface="Roboto" pitchFamily="2" charset="0"/>
+              </a:rPr>
+              <a:t>desde</a:t>
+            </a:r>
+            <a:r>
+              <a:rPr lang="en-US" dirty="0">
+                <a:solidFill>
+                  <a:schemeClr val="bg1"/>
+                </a:solidFill>
+                <a:latin typeface="Roboto" pitchFamily="2" charset="0"/>
+                <a:ea typeface="Roboto" pitchFamily="2" charset="0"/>
+              </a:rPr>
+              <a:t> Composer</a:t>
+            </a:r>
+            <a:endParaRPr lang="es-419" dirty="0">
+              <a:solidFill>
+                <a:schemeClr val="bg1"/>
+              </a:solidFill>
+              <a:latin typeface="Roboto" pitchFamily="2" charset="0"/>
+              <a:ea typeface="Roboto" pitchFamily="2" charset="0"/>
+            </a:endParaRPr>
+          </a:p>
+        </p:txBody>
+      </p:sp>
+    </p:spTree>
+    <p:extLst>
+      <p:ext uri="{BB962C8B-B14F-4D97-AF65-F5344CB8AC3E}">
+        <p14:creationId xmlns:p14="http://schemas.microsoft.com/office/powerpoint/2010/main" val="3616157082"/>
+      </p:ext>
+    </p:extLst>
+  </p:cSld>
+  <p:clrMapOvr>
+    <a:masterClrMapping/>
+  </p:clrMapOvr>
+</p:sld>
+</file>
+
+<file path=ppt/slides/slide7.xml><?xml version="1.0" encoding="utf-8"?>
 <p:sld xmlns:a="http://schemas.openxmlformats.org/drawingml/2006/main" xmlns:r="http://schemas.openxmlformats.org/officeDocument/2006/relationships" xmlns:p="http://schemas.openxmlformats.org/presentationml/2006/main">
   <p:cSld>
     <p:spTree>
